--- a/documentatie/presentatie sprint 1.pptx
+++ b/documentatie/presentatie sprint 1.pptx
@@ -111,6 +111,11 @@
       </a:defRPr>
     </a:lvl9pPr>
   </p:defaultTextStyle>
+  <p:extLst>
+    <p:ext uri="{EFAFB233-063F-42B5-8137-9DF3F51BA10A}">
+      <p15:sldGuideLst xmlns:p15="http://schemas.microsoft.com/office/powerpoint/2012/main"/>
+    </p:ext>
+  </p:extLst>
 </p:presentation>
 </file>
 
@@ -368,7 +373,7 @@
           <a:p>
             <a:fld id="{4FAB73BC-B049-4115-A692-8D63A059BFB8}" type="slidenum">
               <a:rPr lang="en-US" dirty="0"/>
-              <a:t>‹nr.›</a:t>
+              <a:t>‹#›</a:t>
             </a:fld>
             <a:endParaRPr lang="en-US" dirty="0"/>
           </a:p>
@@ -568,7 +573,7 @@
           <a:p>
             <a:fld id="{4FAB73BC-B049-4115-A692-8D63A059BFB8}" type="slidenum">
               <a:rPr lang="en-US" dirty="0"/>
-              <a:t>‹nr.›</a:t>
+              <a:t>‹#›</a:t>
             </a:fld>
             <a:endParaRPr lang="en-US" dirty="0"/>
           </a:p>
@@ -743,7 +748,7 @@
           <a:p>
             <a:fld id="{4FAB73BC-B049-4115-A692-8D63A059BFB8}" type="slidenum">
               <a:rPr lang="en-US" dirty="0"/>
-              <a:t>‹nr.›</a:t>
+              <a:t>‹#›</a:t>
             </a:fld>
             <a:endParaRPr lang="en-US" dirty="0"/>
           </a:p>
@@ -908,7 +913,7 @@
           <a:p>
             <a:fld id="{4FAB73BC-B049-4115-A692-8D63A059BFB8}" type="slidenum">
               <a:rPr lang="en-US" dirty="0"/>
-              <a:t>‹nr.›</a:t>
+              <a:t>‹#›</a:t>
             </a:fld>
             <a:endParaRPr lang="en-US" dirty="0"/>
           </a:p>
@@ -1154,7 +1159,7 @@
           <a:p>
             <a:fld id="{4FAB73BC-B049-4115-A692-8D63A059BFB8}" type="slidenum">
               <a:rPr lang="en-US" dirty="0"/>
-              <a:t>‹nr.›</a:t>
+              <a:t>‹#›</a:t>
             </a:fld>
             <a:endParaRPr lang="en-US" dirty="0"/>
           </a:p>
@@ -1472,7 +1477,7 @@
           <a:p>
             <a:fld id="{4FAB73BC-B049-4115-A692-8D63A059BFB8}" type="slidenum">
               <a:rPr lang="en-US" dirty="0"/>
-              <a:t>‹nr.›</a:t>
+              <a:t>‹#›</a:t>
             </a:fld>
             <a:endParaRPr lang="en-US" dirty="0"/>
           </a:p>
@@ -1891,7 +1896,7 @@
           <a:p>
             <a:fld id="{4FAB73BC-B049-4115-A692-8D63A059BFB8}" type="slidenum">
               <a:rPr lang="en-US" dirty="0"/>
-              <a:t>‹nr.›</a:t>
+              <a:t>‹#›</a:t>
             </a:fld>
             <a:endParaRPr lang="en-US" dirty="0"/>
           </a:p>
@@ -2004,7 +2009,7 @@
           <a:p>
             <a:fld id="{4FAB73BC-B049-4115-A692-8D63A059BFB8}" type="slidenum">
               <a:rPr lang="en-US" dirty="0"/>
-              <a:t>‹nr.›</a:t>
+              <a:t>‹#›</a:t>
             </a:fld>
             <a:endParaRPr lang="en-US" dirty="0"/>
           </a:p>
@@ -2094,7 +2099,7 @@
           <a:p>
             <a:fld id="{4FAB73BC-B049-4115-A692-8D63A059BFB8}" type="slidenum">
               <a:rPr lang="en-US" dirty="0"/>
-              <a:t>‹nr.›</a:t>
+              <a:t>‹#›</a:t>
             </a:fld>
             <a:endParaRPr lang="en-US" dirty="0"/>
           </a:p>
@@ -2379,7 +2384,7 @@
           <a:p>
             <a:fld id="{4FAB73BC-B049-4115-A692-8D63A059BFB8}" type="slidenum">
               <a:rPr lang="en-US" dirty="0"/>
-              <a:t>‹nr.›</a:t>
+              <a:t>‹#›</a:t>
             </a:fld>
             <a:endParaRPr lang="en-US" dirty="0"/>
           </a:p>
@@ -2646,7 +2651,7 @@
           <a:p>
             <a:fld id="{4FAB73BC-B049-4115-A692-8D63A059BFB8}" type="slidenum">
               <a:rPr lang="en-US" dirty="0"/>
-              <a:t>‹nr.›</a:t>
+              <a:t>‹#›</a:t>
             </a:fld>
             <a:endParaRPr lang="en-US" dirty="0"/>
           </a:p>
@@ -2929,7 +2934,7 @@
             <a:fld id="{4FAB73BC-B049-4115-A692-8D63A059BFB8}" type="slidenum">
               <a:rPr lang="en-US" dirty="0"/>
               <a:pPr/>
-              <a:t>‹nr.›</a:t>
+              <a:t>‹#›</a:t>
             </a:fld>
             <a:endParaRPr lang="en-US" dirty="0"/>
           </a:p>
@@ -3356,23 +3361,7 @@
           <a:p>
             <a:r>
               <a:rPr lang="nl-NL" dirty="0"/>
-              <a:t>Timo, Jan-</a:t>
-            </a:r>
-            <a:r>
-              <a:rPr lang="nl-NL" dirty="0" err="1"/>
-              <a:t>paul</a:t>
-            </a:r>
-            <a:r>
-              <a:rPr lang="nl-NL" dirty="0"/>
-              <a:t>, </a:t>
-            </a:r>
-            <a:r>
-              <a:rPr lang="nl-NL" dirty="0" err="1"/>
-              <a:t>Eljakim</a:t>
-            </a:r>
-            <a:r>
-              <a:rPr lang="nl-NL" dirty="0"/>
-              <a:t>, Joost</a:t>
+              <a:t>Timo, Jan-Paul, Eljakim, Joost</a:t>
             </a:r>
           </a:p>
         </p:txBody>
@@ -3407,44 +3396,6 @@
           <a:chExt cx="0" cy="0"/>
         </a:xfrm>
       </p:grpSpPr>
-      <p:sp>
-        <p:nvSpPr>
-          <p:cNvPr id="2" name="Titel 1"/>
-          <p:cNvSpPr>
-            <a:spLocks noGrp="1"/>
-          </p:cNvSpPr>
-          <p:nvPr>
-            <p:ph type="title"/>
-          </p:nvPr>
-        </p:nvSpPr>
-        <p:spPr/>
-        <p:txBody>
-          <a:bodyPr/>
-          <a:lstStyle/>
-          <a:p>
-            <a:endParaRPr lang="nl-NL"/>
-          </a:p>
-        </p:txBody>
-      </p:sp>
-      <p:sp>
-        <p:nvSpPr>
-          <p:cNvPr id="3" name="Tijdelijke aanduiding voor inhoud 2"/>
-          <p:cNvSpPr>
-            <a:spLocks noGrp="1"/>
-          </p:cNvSpPr>
-          <p:nvPr>
-            <p:ph idx="1"/>
-          </p:nvPr>
-        </p:nvSpPr>
-        <p:spPr/>
-        <p:txBody>
-          <a:bodyPr/>
-          <a:lstStyle/>
-          <a:p>
-            <a:endParaRPr lang="nl-NL" dirty="0"/>
-          </a:p>
-        </p:txBody>
-      </p:sp>
       <p:pic>
         <p:nvPicPr>
           <p:cNvPr id="5" name="Afbeelding 4"/>
@@ -4134,9 +4085,10 @@
           <a:p>
             <a:pPr algn="ctr"/>
             <a:r>
-              <a:rPr lang="nl-NL" dirty="0"/>
-              <a:t>THE END</a:t>
-            </a:r>
+              <a:rPr lang="nl-NL"/>
+              <a:t>Any questions?</a:t>
+            </a:r>
+            <a:endParaRPr lang="nl-NL" dirty="0"/>
           </a:p>
         </p:txBody>
       </p:sp>
